--- a/SF_UserGroup_Presentation_Theme5.pptx
+++ b/SF_UserGroup_Presentation_Theme5.pptx
@@ -14649,23 +14649,34 @@
           <a:p>
             <a:pPr lvl="1"/>
             <a:r>
-              <a:rPr lang="en-US" smtClean="0"/>
-              <a:t>This Presentation</a:t>
+              <a:rPr lang="en-US" dirty="0" smtClean="0"/>
+              <a:t>This Presentation and Code Samples</a:t>
+            </a:r>
+          </a:p>
+          <a:p>
+            <a:pPr lvl="2"/>
+            <a:r>
+              <a:rPr lang="en-US" dirty="0">
+                <a:hlinkClick r:id="rId2"/>
+              </a:rPr>
+              <a:t>https://github.com/kalho13/</a:t>
+            </a:r>
+            <a:r>
+              <a:rPr lang="en-US" dirty="0" smtClean="0">
+                <a:hlinkClick r:id="rId2"/>
+              </a:rPr>
+              <a:t>Grug_Presentation</a:t>
             </a:r>
             <a:endParaRPr lang="en-US" dirty="0" smtClean="0"/>
           </a:p>
           <a:p>
-            <a:pPr lvl="1"/>
+            <a:r>
+              <a:rPr lang="en-US" smtClean="0"/>
+              <a:t>Getting </a:t>
+            </a:r>
             <a:r>
               <a:rPr lang="en-US" dirty="0" smtClean="0"/>
-              <a:t>Sample of the Code Used</a:t>
-            </a:r>
-            <a:endParaRPr lang="en-US" dirty="0" smtClean="0"/>
-          </a:p>
-          <a:p>
-            <a:r>
-              <a:rPr lang="en-US" dirty="0" smtClean="0"/>
-              <a:t>Getting Longitude and </a:t>
+              <a:t>Longitude and </a:t>
             </a:r>
             <a:r>
               <a:rPr lang="en-US" dirty="0" smtClean="0"/>
@@ -14676,13 +14687,13 @@
             <a:pPr lvl="1"/>
             <a:r>
               <a:rPr lang="en-US" dirty="0">
-                <a:hlinkClick r:id="rId2"/>
+                <a:hlinkClick r:id="rId3"/>
               </a:rPr>
               <a:t>http://www.latlong.net/convert-address-to-lat-</a:t>
             </a:r>
             <a:r>
               <a:rPr lang="en-US" dirty="0" smtClean="0">
-                <a:hlinkClick r:id="rId2"/>
+                <a:hlinkClick r:id="rId3"/>
               </a:rPr>
               <a:t>long.html</a:t>
             </a:r>

--- a/SF_UserGroup_Presentation_Theme5.pptx
+++ b/SF_UserGroup_Presentation_Theme5.pptx
@@ -14662,16 +14662,16 @@
               <a:t>https://github.com/kalho13/</a:t>
             </a:r>
             <a:r>
-              <a:rPr lang="en-US" dirty="0" smtClean="0">
+              <a:rPr lang="en-US" smtClean="0">
                 <a:hlinkClick r:id="rId2"/>
               </a:rPr>
-              <a:t>Grug_Presentation</a:t>
+              <a:t>GRUG_Presentation</a:t>
             </a:r>
             <a:endParaRPr lang="en-US" dirty="0" smtClean="0"/>
           </a:p>
           <a:p>
             <a:r>
-              <a:rPr lang="en-US" smtClean="0"/>
+              <a:rPr lang="en-US" dirty="0" smtClean="0"/>
               <a:t>Getting </a:t>
             </a:r>
             <a:r>

--- a/SF_UserGroup_Presentation_Theme5.pptx
+++ b/SF_UserGroup_Presentation_Theme5.pptx
@@ -14662,7 +14662,7 @@
               <a:t>https://github.com/kalho13/</a:t>
             </a:r>
             <a:r>
-              <a:rPr lang="en-US" smtClean="0">
+              <a:rPr lang="en-US" dirty="0" smtClean="0">
                 <a:hlinkClick r:id="rId2"/>
               </a:rPr>
               <a:t>GRUG_Presentation</a:t>
@@ -14697,6 +14697,38 @@
               </a:rPr>
               <a:t>long.html</a:t>
             </a:r>
+            <a:endParaRPr lang="en-US" dirty="0" smtClean="0"/>
+          </a:p>
+          <a:p>
+            <a:pPr lvl="1"/>
+            <a:r>
+              <a:rPr lang="en-US" dirty="0">
+                <a:hlinkClick r:id="rId4"/>
+              </a:rPr>
+              <a:t>http://developer.mapquest.com/web/tools/lat</a:t>
+            </a:r>
+            <a:r>
+              <a:rPr lang="en-US">
+                <a:hlinkClick r:id="rId4"/>
+              </a:rPr>
+              <a:t>-long</a:t>
+            </a:r>
+            <a:r>
+              <a:rPr lang="en-US">
+                <a:hlinkClick r:id="rId4"/>
+              </a:rPr>
+              <a:t>-</a:t>
+            </a:r>
+            <a:r>
+              <a:rPr lang="en-US" smtClean="0">
+                <a:hlinkClick r:id="rId4"/>
+              </a:rPr>
+              <a:t>finder</a:t>
+            </a:r>
+            <a:endParaRPr lang="en-US" smtClean="0"/>
+          </a:p>
+          <a:p>
+            <a:pPr lvl="1"/>
             <a:endParaRPr lang="en-US" dirty="0" smtClean="0"/>
           </a:p>
           <a:p>

--- a/SF_UserGroup_Presentation_Theme5.pptx
+++ b/SF_UserGroup_Presentation_Theme5.pptx
@@ -14705,27 +14705,15 @@
               <a:rPr lang="en-US" dirty="0">
                 <a:hlinkClick r:id="rId4"/>
               </a:rPr>
-              <a:t>http://developer.mapquest.com/web/tools/lat</a:t>
+              <a:t>http://developer.mapquest.com/web/tools/lat-long-</a:t>
             </a:r>
             <a:r>
-              <a:rPr lang="en-US">
-                <a:hlinkClick r:id="rId4"/>
-              </a:rPr>
-              <a:t>-long</a:t>
-            </a:r>
-            <a:r>
-              <a:rPr lang="en-US">
-                <a:hlinkClick r:id="rId4"/>
-              </a:rPr>
-              <a:t>-</a:t>
-            </a:r>
-            <a:r>
-              <a:rPr lang="en-US" smtClean="0">
+              <a:rPr lang="en-US" dirty="0" smtClean="0">
                 <a:hlinkClick r:id="rId4"/>
               </a:rPr>
               <a:t>finder</a:t>
             </a:r>
-            <a:endParaRPr lang="en-US" smtClean="0"/>
+            <a:endParaRPr lang="en-US" dirty="0" smtClean="0"/>
           </a:p>
           <a:p>
             <a:pPr lvl="1"/>
@@ -14899,16 +14887,19 @@
           <a:p>
             <a:r>
               <a:rPr lang="en-US" dirty="0" smtClean="0"/>
-              <a:t>Unique Requirements</a:t>
+              <a:t>Trademark </a:t>
             </a:r>
-          </a:p>
-          <a:p>
             <a:r>
               <a:rPr lang="en-US" dirty="0" smtClean="0"/>
-              <a:t>Integrated into Website using REST API</a:t>
+              <a:t>Requirements</a:t>
             </a:r>
-          </a:p>
-          <a:p>
+            <a:endParaRPr lang="en-US" dirty="0" smtClean="0"/>
+          </a:p>
+          <a:p>
+            <a:r>
+              <a:rPr lang="en-US" dirty="0" smtClean="0"/>
+              <a:t>Follow Link Displayed to Customer Web Site</a:t>
+            </a:r>
             <a:endParaRPr lang="en-US" dirty="0"/>
           </a:p>
         </p:txBody>
@@ -15626,12 +15617,12 @@
               <a:t>Instantiating </a:t>
             </a:r>
             <a:r>
-              <a:rPr lang="en-US" dirty="0"/>
-              <a:t>O</a:t>
+              <a:rPr lang="en-US" dirty="0" smtClean="0"/>
+              <a:t>the </a:t>
             </a:r>
             <a:r>
               <a:rPr lang="en-US" dirty="0" smtClean="0"/>
-              <a:t>ur Map</a:t>
+              <a:t>Map</a:t>
             </a:r>
           </a:p>
           <a:p>

--- a/SF_UserGroup_Presentation_Theme5.pptx
+++ b/SF_UserGroup_Presentation_Theme5.pptx
@@ -1658,7 +1658,7 @@
             <a:fld id="{28E80666-FB37-4B36-9149-507F3B0178E3}" type="datetimeFigureOut">
               <a:rPr lang="en-US" smtClean="0"/>
               <a:pPr/>
-              <a:t>2/5/15</a:t>
+              <a:t>2/9/15</a:t>
             </a:fld>
             <a:endParaRPr lang="en-US"/>
           </a:p>
@@ -2763,7 +2763,7 @@
           <a:p>
             <a:fld id="{7CE38E4D-051A-41E1-86A4-E56916468FD0}" type="datetimeFigureOut">
               <a:rPr lang="en-US" smtClean="0"/>
-              <a:t>2/5/15</a:t>
+              <a:t>2/9/15</a:t>
             </a:fld>
             <a:endParaRPr lang="en-US"/>
           </a:p>
@@ -3876,7 +3876,7 @@
           <a:p>
             <a:fld id="{7CE38E4D-051A-41E1-86A4-E56916468FD0}" type="datetimeFigureOut">
               <a:rPr lang="en-US" smtClean="0"/>
-              <a:t>2/5/15</a:t>
+              <a:t>2/9/15</a:t>
             </a:fld>
             <a:endParaRPr lang="en-US"/>
           </a:p>
@@ -4984,7 +4984,7 @@
           <a:p>
             <a:fld id="{7CE38E4D-051A-41E1-86A4-E56916468FD0}" type="datetimeFigureOut">
               <a:rPr lang="en-US" smtClean="0"/>
-              <a:t>2/5/15</a:t>
+              <a:t>2/9/15</a:t>
             </a:fld>
             <a:endParaRPr lang="en-US"/>
           </a:p>
@@ -6578,7 +6578,7 @@
             <a:fld id="{28E80666-FB37-4B36-9149-507F3B0178E3}" type="datetimeFigureOut">
               <a:rPr lang="en-US" smtClean="0"/>
               <a:pPr/>
-              <a:t>2/5/15</a:t>
+              <a:t>2/9/15</a:t>
             </a:fld>
             <a:endParaRPr lang="en-US"/>
           </a:p>
@@ -7637,7 +7637,7 @@
           <a:p>
             <a:fld id="{7CE38E4D-051A-41E1-86A4-E56916468FD0}" type="datetimeFigureOut">
               <a:rPr lang="en-US" smtClean="0"/>
-              <a:t>2/5/15</a:t>
+              <a:t>2/9/15</a:t>
             </a:fld>
             <a:endParaRPr lang="en-US"/>
           </a:p>
@@ -8964,7 +8964,7 @@
           <a:p>
             <a:fld id="{7CE38E4D-051A-41E1-86A4-E56916468FD0}" type="datetimeFigureOut">
               <a:rPr lang="en-US" smtClean="0"/>
-              <a:t>2/5/15</a:t>
+              <a:t>2/9/15</a:t>
             </a:fld>
             <a:endParaRPr lang="en-US"/>
           </a:p>
@@ -10101,7 +10101,7 @@
           <a:p>
             <a:fld id="{7CE38E4D-051A-41E1-86A4-E56916468FD0}" type="datetimeFigureOut">
               <a:rPr lang="en-US" smtClean="0"/>
-              <a:t>2/5/15</a:t>
+              <a:t>2/9/15</a:t>
             </a:fld>
             <a:endParaRPr lang="en-US"/>
           </a:p>
@@ -11157,7 +11157,7 @@
           <a:p>
             <a:fld id="{7CE38E4D-051A-41E1-86A4-E56916468FD0}" type="datetimeFigureOut">
               <a:rPr lang="en-US" smtClean="0"/>
-              <a:t>2/5/15</a:t>
+              <a:t>2/9/15</a:t>
             </a:fld>
             <a:endParaRPr lang="en-US"/>
           </a:p>
@@ -12195,7 +12195,7 @@
           <a:p>
             <a:fld id="{7CE38E4D-051A-41E1-86A4-E56916468FD0}" type="datetimeFigureOut">
               <a:rPr lang="en-US" smtClean="0"/>
-              <a:t>2/5/15</a:t>
+              <a:t>2/9/15</a:t>
             </a:fld>
             <a:endParaRPr lang="en-US"/>
           </a:p>
@@ -13431,7 +13431,7 @@
           <a:p>
             <a:fld id="{7CE38E4D-051A-41E1-86A4-E56916468FD0}" type="datetimeFigureOut">
               <a:rPr lang="en-US" smtClean="0"/>
-              <a:t>2/5/15</a:t>
+              <a:t>2/9/15</a:t>
             </a:fld>
             <a:endParaRPr lang="en-US"/>
           </a:p>
@@ -13784,7 +13784,7 @@
           <a:p>
             <a:fld id="{7CE38E4D-051A-41E1-86A4-E56916468FD0}" type="datetimeFigureOut">
               <a:rPr lang="en-US" smtClean="0"/>
-              <a:t>2/5/15</a:t>
+              <a:t>2/9/15</a:t>
             </a:fld>
             <a:endParaRPr lang="en-US"/>
           </a:p>
@@ -14411,11 +14411,7 @@
           <a:p>
             <a:r>
               <a:rPr lang="en-US" dirty="0" smtClean="0"/>
-              <a:t>Issues</a:t>
-            </a:r>
-            <a:r>
-              <a:rPr lang="en-US" dirty="0" smtClean="0"/>
-              <a:t>, Challenges and Opportunities</a:t>
+              <a:t>Issues, Challenges and Opportunities</a:t>
             </a:r>
             <a:endParaRPr lang="en-US" dirty="0"/>
           </a:p>
@@ -14672,15 +14668,7 @@
           <a:p>
             <a:r>
               <a:rPr lang="en-US" dirty="0" smtClean="0"/>
-              <a:t>Getting </a:t>
-            </a:r>
-            <a:r>
-              <a:rPr lang="en-US" dirty="0" smtClean="0"/>
-              <a:t>Longitude and </a:t>
-            </a:r>
-            <a:r>
-              <a:rPr lang="en-US" dirty="0" smtClean="0"/>
-              <a:t>Latitude</a:t>
+              <a:t>Getting Longitude and Latitude</a:t>
             </a:r>
           </a:p>
           <a:p>
@@ -14870,13 +14858,8 @@
           <a:p>
             <a:r>
               <a:rPr lang="en-US" dirty="0" smtClean="0"/>
-              <a:t>Google Map of Customer </a:t>
+              <a:t>Google Map of Customer Locations and Products</a:t>
             </a:r>
-            <a:r>
-              <a:rPr lang="en-US" dirty="0" smtClean="0"/>
-              <a:t>Locations and Products</a:t>
-            </a:r>
-            <a:endParaRPr lang="en-US" dirty="0" smtClean="0"/>
           </a:p>
           <a:p>
             <a:r>
@@ -14887,13 +14870,8 @@
           <a:p>
             <a:r>
               <a:rPr lang="en-US" dirty="0" smtClean="0"/>
-              <a:t>Trademark </a:t>
+              <a:t>Trademark Requirements</a:t>
             </a:r>
-            <a:r>
-              <a:rPr lang="en-US" dirty="0" smtClean="0"/>
-              <a:t>Requirements</a:t>
-            </a:r>
-            <a:endParaRPr lang="en-US" dirty="0" smtClean="0"/>
           </a:p>
           <a:p>
             <a:r>
@@ -15171,11 +15149,7 @@
             <a:pPr lvl="1"/>
             <a:r>
               <a:rPr lang="en-US" dirty="0" smtClean="0"/>
-              <a:t>Are all of your addresses correctly entered</a:t>
-            </a:r>
-            <a:r>
-              <a:rPr lang="en-US" dirty="0" smtClean="0"/>
-              <a:t>?</a:t>
+              <a:t>Are all of your addresses correctly entered?</a:t>
             </a:r>
           </a:p>
           <a:p>
@@ -15192,7 +15166,6 @@
               <a:rPr lang="en-US" dirty="0" smtClean="0"/>
               <a:t>?</a:t>
             </a:r>
-            <a:endParaRPr lang="en-US" dirty="0" smtClean="0"/>
           </a:p>
           <a:p>
             <a:endParaRPr lang="en-US" dirty="0"/>
@@ -15291,8 +15264,20 @@
           <a:p>
             <a:r>
               <a:rPr lang="en-US" dirty="0" smtClean="0"/>
-              <a:t>Extending Functionality of the Course Record</a:t>
+              <a:t>Extending Functionality of the Course </a:t>
             </a:r>
+            <a:r>
+              <a:rPr lang="en-US" dirty="0" smtClean="0"/>
+              <a:t>Record</a:t>
+            </a:r>
+          </a:p>
+          <a:p>
+            <a:pPr lvl="1"/>
+            <a:r>
+              <a:rPr lang="en-US" dirty="0" smtClean="0"/>
+              <a:t>Additional Map to Support Inspections</a:t>
+            </a:r>
+            <a:endParaRPr lang="en-US" dirty="0" smtClean="0"/>
           </a:p>
           <a:p>
             <a:endParaRPr lang="en-US" dirty="0"/>
@@ -15500,11 +15485,7 @@
           <a:p>
             <a:r>
               <a:rPr lang="en-US" dirty="0" smtClean="0"/>
-              <a:t>A Bit of </a:t>
-            </a:r>
-            <a:r>
-              <a:rPr lang="en-US" dirty="0" smtClean="0"/>
-              <a:t>JavaScript</a:t>
+              <a:t>A Bit of JavaScript</a:t>
             </a:r>
             <a:endParaRPr lang="en-US" dirty="0"/>
           </a:p>
@@ -15575,15 +15556,7 @@
             </a:r>
             <a:r>
               <a:rPr lang="en-US" dirty="0" smtClean="0"/>
-              <a:t> </a:t>
-            </a:r>
-            <a:r>
-              <a:rPr lang="en-US" dirty="0" smtClean="0"/>
-              <a:t>at the </a:t>
-            </a:r>
-            <a:r>
-              <a:rPr lang="en-US" dirty="0" smtClean="0"/>
-              <a:t>CODE</a:t>
+              <a:t> at the CODE</a:t>
             </a:r>
             <a:endParaRPr lang="en-US" dirty="0"/>
           </a:p>
@@ -15614,15 +15587,7 @@
           <a:p>
             <a:r>
               <a:rPr lang="en-US" dirty="0" smtClean="0"/>
-              <a:t>Instantiating </a:t>
-            </a:r>
-            <a:r>
-              <a:rPr lang="en-US" dirty="0" smtClean="0"/>
-              <a:t>the </a:t>
-            </a:r>
-            <a:r>
-              <a:rPr lang="en-US" dirty="0" smtClean="0"/>
-              <a:t>Map</a:t>
+              <a:t>Instantiating the Map</a:t>
             </a:r>
           </a:p>
           <a:p>
@@ -15767,7 +15732,22 @@
           <a:p>
             <a:r>
               <a:rPr lang="en-US" dirty="0" smtClean="0"/>
-              <a:t>Granular Control for the Security of the Public Page</a:t>
+              <a:t>Granular Control for the Security of the Public </a:t>
+            </a:r>
+            <a:r>
+              <a:rPr lang="en-US" dirty="0" smtClean="0"/>
+              <a:t>Page</a:t>
+            </a:r>
+          </a:p>
+          <a:p>
+            <a:pPr lvl="1"/>
+            <a:r>
+              <a:rPr lang="en-US" dirty="0" smtClean="0"/>
+              <a:t>Public </a:t>
+            </a:r>
+            <a:r>
+              <a:rPr lang="en-US" smtClean="0"/>
+              <a:t>Access Settings</a:t>
             </a:r>
             <a:endParaRPr lang="en-US" dirty="0"/>
           </a:p>
